--- a/Trabalho2/desenhos.pptx
+++ b/Trabalho2/desenhos.pptx
@@ -6,6 +6,11 @@
   </p:sldMasterIdLst>
   <p:sldIdLst>
     <p:sldId id="256" r:id="rId2"/>
+    <p:sldId id="257" r:id="rId3"/>
+    <p:sldId id="259" r:id="rId4"/>
+    <p:sldId id="260" r:id="rId5"/>
+    <p:sldId id="261" r:id="rId6"/>
+    <p:sldId id="262" r:id="rId7"/>
   </p:sldIdLst>
   <p:sldSz cx="12192000" cy="6858000"/>
   <p:notesSz cx="6858000" cy="9144000"/>
@@ -3246,6 +3251,1027 @@
 </p:sld>
 </file>
 
+<file path=ppt/slides/slide2.xml><?xml version="1.0" encoding="utf-8"?>
+<p:sld xmlns:a="http://schemas.openxmlformats.org/drawingml/2006/main" xmlns:r="http://schemas.openxmlformats.org/officeDocument/2006/relationships" xmlns:p="http://schemas.openxmlformats.org/presentationml/2006/main">
+  <p:cSld>
+    <p:spTree>
+      <p:nvGrpSpPr>
+        <p:cNvPr id="1" name=""/>
+        <p:cNvGrpSpPr/>
+        <p:nvPr/>
+      </p:nvGrpSpPr>
+      <p:grpSpPr>
+        <a:xfrm>
+          <a:off x="0" y="0"/>
+          <a:ext cx="0" cy="0"/>
+          <a:chOff x="0" y="0"/>
+          <a:chExt cx="0" cy="0"/>
+        </a:xfrm>
+      </p:grpSpPr>
+      <p:sp>
+        <p:nvSpPr>
+          <p:cNvPr id="4" name="CaixaDeTexto 3">
+            <a:extLst>
+              <a:ext uri="{FF2B5EF4-FFF2-40B4-BE49-F238E27FC236}">
+                <a16:creationId xmlns:a16="http://schemas.microsoft.com/office/drawing/2014/main" id="{EF09FF96-9509-1749-8622-1E4250F11D46}"/>
+              </a:ext>
+            </a:extLst>
+          </p:cNvPr>
+          <p:cNvSpPr txBox="1"/>
+          <p:nvPr/>
+        </p:nvSpPr>
+        <p:spPr>
+          <a:xfrm>
+            <a:off x="1815548" y="1364974"/>
+            <a:ext cx="7500730" cy="3074504"/>
+          </a:xfrm>
+          <a:prstGeom prst="rect">
+            <a:avLst/>
+          </a:prstGeom>
+          <a:noFill/>
+          <a:ln w="82550">
+            <a:solidFill>
+              <a:schemeClr val="tx1"/>
+            </a:solidFill>
+          </a:ln>
+        </p:spPr>
+        <p:txBody>
+          <a:bodyPr wrap="square" rtlCol="0">
+            <a:spAutoFit/>
+          </a:bodyPr>
+          <a:lstStyle/>
+          <a:p>
+            <a:endParaRPr lang="en-US" dirty="0"/>
+          </a:p>
+        </p:txBody>
+      </p:sp>
+    </p:spTree>
+    <p:extLst>
+      <p:ext uri="{BB962C8B-B14F-4D97-AF65-F5344CB8AC3E}">
+        <p14:creationId xmlns:p14="http://schemas.microsoft.com/office/powerpoint/2010/main" val="2202005517"/>
+      </p:ext>
+    </p:extLst>
+  </p:cSld>
+  <p:clrMapOvr>
+    <a:masterClrMapping/>
+  </p:clrMapOvr>
+</p:sld>
+</file>
+
+<file path=ppt/slides/slide3.xml><?xml version="1.0" encoding="utf-8"?>
+<p:sld xmlns:a="http://schemas.openxmlformats.org/drawingml/2006/main" xmlns:r="http://schemas.openxmlformats.org/officeDocument/2006/relationships" xmlns:p="http://schemas.openxmlformats.org/presentationml/2006/main">
+  <p:cSld>
+    <p:spTree>
+      <p:nvGrpSpPr>
+        <p:cNvPr id="1" name=""/>
+        <p:cNvGrpSpPr/>
+        <p:nvPr/>
+      </p:nvGrpSpPr>
+      <p:grpSpPr>
+        <a:xfrm>
+          <a:off x="0" y="0"/>
+          <a:ext cx="0" cy="0"/>
+          <a:chOff x="0" y="0"/>
+          <a:chExt cx="0" cy="0"/>
+        </a:xfrm>
+      </p:grpSpPr>
+      <p:sp>
+        <p:nvSpPr>
+          <p:cNvPr id="4" name="Retângulo 3">
+            <a:extLst>
+              <a:ext uri="{FF2B5EF4-FFF2-40B4-BE49-F238E27FC236}">
+                <a16:creationId xmlns:a16="http://schemas.microsoft.com/office/drawing/2014/main" id="{98F663CF-A2B4-41D2-9093-C221FFEF985F}"/>
+              </a:ext>
+            </a:extLst>
+          </p:cNvPr>
+          <p:cNvSpPr/>
+          <p:nvPr/>
+        </p:nvSpPr>
+        <p:spPr>
+          <a:xfrm>
+            <a:off x="1212979" y="808381"/>
+            <a:ext cx="8111495" cy="4472746"/>
+          </a:xfrm>
+          <a:prstGeom prst="rect">
+            <a:avLst/>
+          </a:prstGeom>
+          <a:solidFill>
+            <a:schemeClr val="bg1"/>
+          </a:solidFill>
+          <a:ln w="38100">
+            <a:solidFill>
+              <a:schemeClr val="tx1"/>
+            </a:solidFill>
+          </a:ln>
+        </p:spPr>
+        <p:style>
+          <a:lnRef idx="2">
+            <a:schemeClr val="accent1">
+              <a:shade val="50000"/>
+            </a:schemeClr>
+          </a:lnRef>
+          <a:fillRef idx="1">
+            <a:schemeClr val="accent1"/>
+          </a:fillRef>
+          <a:effectRef idx="0">
+            <a:schemeClr val="accent1"/>
+          </a:effectRef>
+          <a:fontRef idx="minor">
+            <a:schemeClr val="lt1"/>
+          </a:fontRef>
+        </p:style>
+        <p:txBody>
+          <a:bodyPr rtlCol="0" anchor="ctr"/>
+          <a:lstStyle/>
+          <a:p>
+            <a:pPr algn="ctr"/>
+            <a:endParaRPr lang="pt-PT"/>
+          </a:p>
+        </p:txBody>
+      </p:sp>
+      <p:sp>
+        <p:nvSpPr>
+          <p:cNvPr id="5" name="Retângulo 4">
+            <a:extLst>
+              <a:ext uri="{FF2B5EF4-FFF2-40B4-BE49-F238E27FC236}">
+                <a16:creationId xmlns:a16="http://schemas.microsoft.com/office/drawing/2014/main" id="{955A4910-547A-47DD-BB1D-20DD422F2F5F}"/>
+              </a:ext>
+            </a:extLst>
+          </p:cNvPr>
+          <p:cNvSpPr/>
+          <p:nvPr/>
+        </p:nvSpPr>
+        <p:spPr>
+          <a:xfrm>
+            <a:off x="1258957" y="2650435"/>
+            <a:ext cx="2362548" cy="2584173"/>
+          </a:xfrm>
+          <a:prstGeom prst="rect">
+            <a:avLst/>
+          </a:prstGeom>
+          <a:solidFill>
+            <a:srgbClr val="FFC000"/>
+          </a:solidFill>
+          <a:ln>
+            <a:solidFill>
+              <a:schemeClr val="accent2">
+                <a:lumMod val="50000"/>
+              </a:schemeClr>
+            </a:solidFill>
+          </a:ln>
+        </p:spPr>
+        <p:style>
+          <a:lnRef idx="2">
+            <a:schemeClr val="accent1">
+              <a:shade val="50000"/>
+            </a:schemeClr>
+          </a:lnRef>
+          <a:fillRef idx="1">
+            <a:schemeClr val="accent1"/>
+          </a:fillRef>
+          <a:effectRef idx="0">
+            <a:schemeClr val="accent1"/>
+          </a:effectRef>
+          <a:fontRef idx="minor">
+            <a:schemeClr val="lt1"/>
+          </a:fontRef>
+        </p:style>
+        <p:txBody>
+          <a:bodyPr rtlCol="0" anchor="ctr"/>
+          <a:lstStyle/>
+          <a:p>
+            <a:pPr algn="ctr"/>
+            <a:r>
+              <a:rPr lang="pt-PT" b="1" dirty="0">
+                <a:solidFill>
+                  <a:schemeClr val="tx1"/>
+                </a:solidFill>
+              </a:rPr>
+              <a:t>Palete 1</a:t>
+            </a:r>
+          </a:p>
+        </p:txBody>
+      </p:sp>
+      <p:sp>
+        <p:nvSpPr>
+          <p:cNvPr id="6" name="Retângulo 5">
+            <a:extLst>
+              <a:ext uri="{FF2B5EF4-FFF2-40B4-BE49-F238E27FC236}">
+                <a16:creationId xmlns:a16="http://schemas.microsoft.com/office/drawing/2014/main" id="{C1B58493-6FF6-4BC2-B751-9E3E8D3944A6}"/>
+              </a:ext>
+            </a:extLst>
+          </p:cNvPr>
+          <p:cNvSpPr/>
+          <p:nvPr/>
+        </p:nvSpPr>
+        <p:spPr>
+          <a:xfrm>
+            <a:off x="3667482" y="1672390"/>
+            <a:ext cx="2131739" cy="3562218"/>
+          </a:xfrm>
+          <a:prstGeom prst="rect">
+            <a:avLst/>
+          </a:prstGeom>
+          <a:solidFill>
+            <a:srgbClr val="FFC000"/>
+          </a:solidFill>
+          <a:ln>
+            <a:solidFill>
+              <a:schemeClr val="accent2">
+                <a:lumMod val="50000"/>
+              </a:schemeClr>
+            </a:solidFill>
+          </a:ln>
+        </p:spPr>
+        <p:style>
+          <a:lnRef idx="2">
+            <a:schemeClr val="accent1">
+              <a:shade val="50000"/>
+            </a:schemeClr>
+          </a:lnRef>
+          <a:fillRef idx="1">
+            <a:schemeClr val="accent1"/>
+          </a:fillRef>
+          <a:effectRef idx="0">
+            <a:schemeClr val="accent1"/>
+          </a:effectRef>
+          <a:fontRef idx="minor">
+            <a:schemeClr val="lt1"/>
+          </a:fontRef>
+        </p:style>
+        <p:txBody>
+          <a:bodyPr rtlCol="0" anchor="ctr"/>
+          <a:lstStyle/>
+          <a:p>
+            <a:pPr algn="ctr"/>
+            <a:r>
+              <a:rPr lang="pt-PT" b="1" dirty="0">
+                <a:solidFill>
+                  <a:schemeClr val="tx1"/>
+                </a:solidFill>
+              </a:rPr>
+              <a:t>Palete 2</a:t>
+            </a:r>
+          </a:p>
+        </p:txBody>
+      </p:sp>
+      <p:sp>
+        <p:nvSpPr>
+          <p:cNvPr id="7" name="Retângulo 6">
+            <a:extLst>
+              <a:ext uri="{FF2B5EF4-FFF2-40B4-BE49-F238E27FC236}">
+                <a16:creationId xmlns:a16="http://schemas.microsoft.com/office/drawing/2014/main" id="{04F0C1BF-75A4-4622-9302-ADE298CAA46A}"/>
+              </a:ext>
+            </a:extLst>
+          </p:cNvPr>
+          <p:cNvSpPr/>
+          <p:nvPr/>
+        </p:nvSpPr>
+        <p:spPr>
+          <a:xfrm>
+            <a:off x="5845198" y="2406317"/>
+            <a:ext cx="2362548" cy="2828291"/>
+          </a:xfrm>
+          <a:prstGeom prst="rect">
+            <a:avLst/>
+          </a:prstGeom>
+          <a:solidFill>
+            <a:srgbClr val="FFC000"/>
+          </a:solidFill>
+          <a:ln>
+            <a:solidFill>
+              <a:schemeClr val="accent2">
+                <a:lumMod val="50000"/>
+              </a:schemeClr>
+            </a:solidFill>
+          </a:ln>
+        </p:spPr>
+        <p:style>
+          <a:lnRef idx="2">
+            <a:schemeClr val="accent1">
+              <a:shade val="50000"/>
+            </a:schemeClr>
+          </a:lnRef>
+          <a:fillRef idx="1">
+            <a:schemeClr val="accent1"/>
+          </a:fillRef>
+          <a:effectRef idx="0">
+            <a:schemeClr val="accent1"/>
+          </a:effectRef>
+          <a:fontRef idx="minor">
+            <a:schemeClr val="lt1"/>
+          </a:fontRef>
+        </p:style>
+        <p:txBody>
+          <a:bodyPr rtlCol="0" anchor="ctr"/>
+          <a:lstStyle/>
+          <a:p>
+            <a:pPr algn="ctr"/>
+            <a:r>
+              <a:rPr lang="pt-PT" b="1" dirty="0">
+                <a:solidFill>
+                  <a:schemeClr val="tx1"/>
+                </a:solidFill>
+              </a:rPr>
+              <a:t>Palete 3</a:t>
+            </a:r>
+          </a:p>
+        </p:txBody>
+      </p:sp>
+      <p:cxnSp>
+        <p:nvCxnSpPr>
+          <p:cNvPr id="9" name="Conexão reta unidirecional 8">
+            <a:extLst>
+              <a:ext uri="{FF2B5EF4-FFF2-40B4-BE49-F238E27FC236}">
+                <a16:creationId xmlns:a16="http://schemas.microsoft.com/office/drawing/2014/main" id="{8CC98206-5595-4FC8-A84E-BAFFA1337B1A}"/>
+              </a:ext>
+            </a:extLst>
+          </p:cNvPr>
+          <p:cNvCxnSpPr>
+            <a:cxnSpLocks/>
+          </p:cNvCxnSpPr>
+          <p:nvPr/>
+        </p:nvCxnSpPr>
+        <p:spPr>
+          <a:xfrm>
+            <a:off x="2440231" y="898358"/>
+            <a:ext cx="0" cy="1640305"/>
+          </a:xfrm>
+          <a:prstGeom prst="straightConnector1">
+            <a:avLst/>
+          </a:prstGeom>
+          <a:ln w="38100">
+            <a:solidFill>
+              <a:srgbClr val="FF0000"/>
+            </a:solidFill>
+            <a:headEnd type="triangle"/>
+            <a:tailEnd type="triangle"/>
+          </a:ln>
+        </p:spPr>
+        <p:style>
+          <a:lnRef idx="1">
+            <a:schemeClr val="accent1"/>
+          </a:lnRef>
+          <a:fillRef idx="0">
+            <a:schemeClr val="accent1"/>
+          </a:fillRef>
+          <a:effectRef idx="0">
+            <a:schemeClr val="accent1"/>
+          </a:effectRef>
+          <a:fontRef idx="minor">
+            <a:schemeClr val="tx1"/>
+          </a:fontRef>
+        </p:style>
+      </p:cxnSp>
+      <p:cxnSp>
+        <p:nvCxnSpPr>
+          <p:cNvPr id="10" name="Conexão reta unidirecional 9">
+            <a:extLst>
+              <a:ext uri="{FF2B5EF4-FFF2-40B4-BE49-F238E27FC236}">
+                <a16:creationId xmlns:a16="http://schemas.microsoft.com/office/drawing/2014/main" id="{D9D7382E-A8FC-46D9-B0A8-35F011CE05D2}"/>
+              </a:ext>
+            </a:extLst>
+          </p:cNvPr>
+          <p:cNvCxnSpPr>
+            <a:cxnSpLocks/>
+          </p:cNvCxnSpPr>
+          <p:nvPr/>
+        </p:nvCxnSpPr>
+        <p:spPr>
+          <a:xfrm>
+            <a:off x="7140568" y="898358"/>
+            <a:ext cx="0" cy="1387642"/>
+          </a:xfrm>
+          <a:prstGeom prst="straightConnector1">
+            <a:avLst/>
+          </a:prstGeom>
+          <a:ln w="38100">
+            <a:solidFill>
+              <a:srgbClr val="FF0000"/>
+            </a:solidFill>
+            <a:headEnd type="triangle"/>
+            <a:tailEnd type="triangle"/>
+          </a:ln>
+        </p:spPr>
+        <p:style>
+          <a:lnRef idx="1">
+            <a:schemeClr val="accent1"/>
+          </a:lnRef>
+          <a:fillRef idx="0">
+            <a:schemeClr val="accent1"/>
+          </a:fillRef>
+          <a:effectRef idx="0">
+            <a:schemeClr val="accent1"/>
+          </a:effectRef>
+          <a:fontRef idx="minor">
+            <a:schemeClr val="tx1"/>
+          </a:fontRef>
+        </p:style>
+      </p:cxnSp>
+      <p:cxnSp>
+        <p:nvCxnSpPr>
+          <p:cNvPr id="12" name="Conexão reta unidirecional 11">
+            <a:extLst>
+              <a:ext uri="{FF2B5EF4-FFF2-40B4-BE49-F238E27FC236}">
+                <a16:creationId xmlns:a16="http://schemas.microsoft.com/office/drawing/2014/main" id="{F6D4CBD2-3E39-48C9-9EC6-9FF30E2B88EC}"/>
+              </a:ext>
+            </a:extLst>
+          </p:cNvPr>
+          <p:cNvCxnSpPr>
+            <a:cxnSpLocks/>
+          </p:cNvCxnSpPr>
+          <p:nvPr/>
+        </p:nvCxnSpPr>
+        <p:spPr>
+          <a:xfrm>
+            <a:off x="4759245" y="898358"/>
+            <a:ext cx="0" cy="623637"/>
+          </a:xfrm>
+          <a:prstGeom prst="straightConnector1">
+            <a:avLst/>
+          </a:prstGeom>
+          <a:ln w="38100">
+            <a:solidFill>
+              <a:srgbClr val="FF0000"/>
+            </a:solidFill>
+            <a:headEnd type="triangle"/>
+            <a:tailEnd type="triangle"/>
+          </a:ln>
+        </p:spPr>
+        <p:style>
+          <a:lnRef idx="1">
+            <a:schemeClr val="accent1"/>
+          </a:lnRef>
+          <a:fillRef idx="0">
+            <a:schemeClr val="accent1"/>
+          </a:fillRef>
+          <a:effectRef idx="0">
+            <a:schemeClr val="accent1"/>
+          </a:effectRef>
+          <a:fontRef idx="minor">
+            <a:schemeClr val="tx1"/>
+          </a:fontRef>
+        </p:style>
+      </p:cxnSp>
+      <p:cxnSp>
+        <p:nvCxnSpPr>
+          <p:cNvPr id="17" name="Conexão reta unidirecional 16">
+            <a:extLst>
+              <a:ext uri="{FF2B5EF4-FFF2-40B4-BE49-F238E27FC236}">
+                <a16:creationId xmlns:a16="http://schemas.microsoft.com/office/drawing/2014/main" id="{C54234EE-386B-4849-97A0-251A6898F9BB}"/>
+              </a:ext>
+            </a:extLst>
+          </p:cNvPr>
+          <p:cNvCxnSpPr>
+            <a:cxnSpLocks/>
+          </p:cNvCxnSpPr>
+          <p:nvPr/>
+        </p:nvCxnSpPr>
+        <p:spPr>
+          <a:xfrm flipH="1">
+            <a:off x="8352126" y="4936957"/>
+            <a:ext cx="827969" cy="0"/>
+          </a:xfrm>
+          <a:prstGeom prst="straightConnector1">
+            <a:avLst/>
+          </a:prstGeom>
+          <a:ln w="38100">
+            <a:solidFill>
+              <a:srgbClr val="0070C0"/>
+            </a:solidFill>
+            <a:headEnd type="triangle"/>
+            <a:tailEnd type="triangle"/>
+          </a:ln>
+        </p:spPr>
+        <p:style>
+          <a:lnRef idx="1">
+            <a:schemeClr val="accent1"/>
+          </a:lnRef>
+          <a:fillRef idx="0">
+            <a:schemeClr val="accent1"/>
+          </a:fillRef>
+          <a:effectRef idx="0">
+            <a:schemeClr val="accent1"/>
+          </a:effectRef>
+          <a:fontRef idx="minor">
+            <a:schemeClr val="tx1"/>
+          </a:fontRef>
+        </p:style>
+      </p:cxnSp>
+      <p:cxnSp>
+        <p:nvCxnSpPr>
+          <p:cNvPr id="23" name="Conexão reta unidirecional 22">
+            <a:extLst>
+              <a:ext uri="{FF2B5EF4-FFF2-40B4-BE49-F238E27FC236}">
+                <a16:creationId xmlns:a16="http://schemas.microsoft.com/office/drawing/2014/main" id="{B85F6227-5D70-479C-8B78-FC6AD6B83403}"/>
+              </a:ext>
+            </a:extLst>
+          </p:cNvPr>
+          <p:cNvCxnSpPr>
+            <a:cxnSpLocks/>
+          </p:cNvCxnSpPr>
+          <p:nvPr/>
+        </p:nvCxnSpPr>
+        <p:spPr>
+          <a:xfrm flipH="1">
+            <a:off x="1612262" y="5656847"/>
+            <a:ext cx="827969" cy="0"/>
+          </a:xfrm>
+          <a:prstGeom prst="straightConnector1">
+            <a:avLst/>
+          </a:prstGeom>
+          <a:ln w="38100">
+            <a:solidFill>
+              <a:srgbClr val="0070C0"/>
+            </a:solidFill>
+            <a:headEnd type="triangle"/>
+            <a:tailEnd type="triangle"/>
+          </a:ln>
+        </p:spPr>
+        <p:style>
+          <a:lnRef idx="1">
+            <a:schemeClr val="accent1"/>
+          </a:lnRef>
+          <a:fillRef idx="0">
+            <a:schemeClr val="accent1"/>
+          </a:fillRef>
+          <a:effectRef idx="0">
+            <a:schemeClr val="accent1"/>
+          </a:effectRef>
+          <a:fontRef idx="minor">
+            <a:schemeClr val="tx1"/>
+          </a:fontRef>
+        </p:style>
+      </p:cxnSp>
+      <p:cxnSp>
+        <p:nvCxnSpPr>
+          <p:cNvPr id="25" name="Conexão reta unidirecional 24">
+            <a:extLst>
+              <a:ext uri="{FF2B5EF4-FFF2-40B4-BE49-F238E27FC236}">
+                <a16:creationId xmlns:a16="http://schemas.microsoft.com/office/drawing/2014/main" id="{6EBA0A3A-3DD1-4EDC-B89E-346479F19A9A}"/>
+              </a:ext>
+            </a:extLst>
+          </p:cNvPr>
+          <p:cNvCxnSpPr>
+            <a:cxnSpLocks/>
+          </p:cNvCxnSpPr>
+          <p:nvPr/>
+        </p:nvCxnSpPr>
+        <p:spPr>
+          <a:xfrm flipH="1">
+            <a:off x="1612262" y="5881436"/>
+            <a:ext cx="827969" cy="0"/>
+          </a:xfrm>
+          <a:prstGeom prst="straightConnector1">
+            <a:avLst/>
+          </a:prstGeom>
+          <a:ln w="38100">
+            <a:solidFill>
+              <a:srgbClr val="FF0000"/>
+            </a:solidFill>
+            <a:headEnd type="triangle"/>
+            <a:tailEnd type="triangle"/>
+          </a:ln>
+        </p:spPr>
+        <p:style>
+          <a:lnRef idx="1">
+            <a:schemeClr val="accent1"/>
+          </a:lnRef>
+          <a:fillRef idx="0">
+            <a:schemeClr val="accent1"/>
+          </a:fillRef>
+          <a:effectRef idx="0">
+            <a:schemeClr val="accent1"/>
+          </a:effectRef>
+          <a:fontRef idx="minor">
+            <a:schemeClr val="tx1"/>
+          </a:fontRef>
+        </p:style>
+      </p:cxnSp>
+      <p:sp>
+        <p:nvSpPr>
+          <p:cNvPr id="26" name="CaixaDeTexto 25">
+            <a:extLst>
+              <a:ext uri="{FF2B5EF4-FFF2-40B4-BE49-F238E27FC236}">
+                <a16:creationId xmlns:a16="http://schemas.microsoft.com/office/drawing/2014/main" id="{043FA370-E7D3-4470-A253-E51D7FFAA629}"/>
+              </a:ext>
+            </a:extLst>
+          </p:cNvPr>
+          <p:cNvSpPr txBox="1"/>
+          <p:nvPr/>
+        </p:nvSpPr>
+        <p:spPr>
+          <a:xfrm>
+            <a:off x="2440231" y="5490912"/>
+            <a:ext cx="2755231" cy="584775"/>
+          </a:xfrm>
+          <a:prstGeom prst="rect">
+            <a:avLst/>
+          </a:prstGeom>
+          <a:noFill/>
+        </p:spPr>
+        <p:txBody>
+          <a:bodyPr wrap="square" rtlCol="0">
+            <a:spAutoFit/>
+          </a:bodyPr>
+          <a:lstStyle/>
+          <a:p>
+            <a:r>
+              <a:rPr lang="pt-PT" sz="1600" b="1" dirty="0">
+                <a:solidFill>
+                  <a:srgbClr val="0070C0"/>
+                </a:solidFill>
+              </a:rPr>
+              <a:t>Desperdício Largura</a:t>
+            </a:r>
+          </a:p>
+          <a:p>
+            <a:r>
+              <a:rPr lang="pt-PT" sz="1600" b="1" dirty="0">
+                <a:solidFill>
+                  <a:srgbClr val="FF0000"/>
+                </a:solidFill>
+              </a:rPr>
+              <a:t>Desperdício Altura</a:t>
+            </a:r>
+          </a:p>
+        </p:txBody>
+      </p:sp>
+    </p:spTree>
+    <p:extLst>
+      <p:ext uri="{BB962C8B-B14F-4D97-AF65-F5344CB8AC3E}">
+        <p14:creationId xmlns:p14="http://schemas.microsoft.com/office/powerpoint/2010/main" val="2769253835"/>
+      </p:ext>
+    </p:extLst>
+  </p:cSld>
+  <p:clrMapOvr>
+    <a:masterClrMapping/>
+  </p:clrMapOvr>
+</p:sld>
+</file>
+
+<file path=ppt/slides/slide4.xml><?xml version="1.0" encoding="utf-8"?>
+<p:sld xmlns:a="http://schemas.openxmlformats.org/drawingml/2006/main" xmlns:r="http://schemas.openxmlformats.org/officeDocument/2006/relationships" xmlns:p="http://schemas.openxmlformats.org/presentationml/2006/main">
+  <p:cSld>
+    <p:spTree>
+      <p:nvGrpSpPr>
+        <p:cNvPr id="1" name=""/>
+        <p:cNvGrpSpPr/>
+        <p:nvPr/>
+      </p:nvGrpSpPr>
+      <p:grpSpPr>
+        <a:xfrm>
+          <a:off x="0" y="0"/>
+          <a:ext cx="0" cy="0"/>
+          <a:chOff x="0" y="0"/>
+          <a:chExt cx="0" cy="0"/>
+        </a:xfrm>
+      </p:grpSpPr>
+      <p:pic>
+        <p:nvPicPr>
+          <p:cNvPr id="5" name="Imagem 4">
+            <a:extLst>
+              <a:ext uri="{FF2B5EF4-FFF2-40B4-BE49-F238E27FC236}">
+                <a16:creationId xmlns:a16="http://schemas.microsoft.com/office/drawing/2014/main" id="{AAAD112F-54D1-434E-B99A-20F7E61B35E6}"/>
+              </a:ext>
+            </a:extLst>
+          </p:cNvPr>
+          <p:cNvPicPr>
+            <a:picLocks noChangeAspect="1"/>
+          </p:cNvPicPr>
+          <p:nvPr/>
+        </p:nvPicPr>
+        <p:blipFill>
+          <a:blip r:embed="rId2"/>
+          <a:stretch>
+            <a:fillRect/>
+          </a:stretch>
+        </p:blipFill>
+        <p:spPr>
+          <a:xfrm>
+            <a:off x="-1117600" y="2868505"/>
+            <a:ext cx="8551333" cy="1120989"/>
+          </a:xfrm>
+          <a:prstGeom prst="rect">
+            <a:avLst/>
+          </a:prstGeom>
+        </p:spPr>
+      </p:pic>
+      <p:pic>
+        <p:nvPicPr>
+          <p:cNvPr id="7" name="Imagem 6" descr="Uma imagem com palavras cruzadas, parede, quadro de resultados&#10;&#10;&#10;&#10;Descrição gerada automaticamente">
+            <a:extLst>
+              <a:ext uri="{FF2B5EF4-FFF2-40B4-BE49-F238E27FC236}">
+                <a16:creationId xmlns:a16="http://schemas.microsoft.com/office/drawing/2014/main" id="{901C1E82-7888-3E42-BF76-3443303E43A7}"/>
+              </a:ext>
+            </a:extLst>
+          </p:cNvPr>
+          <p:cNvPicPr>
+            <a:picLocks noChangeAspect="1"/>
+          </p:cNvPicPr>
+          <p:nvPr/>
+        </p:nvPicPr>
+        <p:blipFill>
+          <a:blip r:embed="rId3"/>
+          <a:stretch>
+            <a:fillRect/>
+          </a:stretch>
+        </p:blipFill>
+        <p:spPr>
+          <a:xfrm>
+            <a:off x="7433733" y="2910838"/>
+            <a:ext cx="4758267" cy="1078656"/>
+          </a:xfrm>
+          <a:prstGeom prst="rect">
+            <a:avLst/>
+          </a:prstGeom>
+        </p:spPr>
+      </p:pic>
+    </p:spTree>
+    <p:extLst>
+      <p:ext uri="{BB962C8B-B14F-4D97-AF65-F5344CB8AC3E}">
+        <p14:creationId xmlns:p14="http://schemas.microsoft.com/office/powerpoint/2010/main" val="4103467513"/>
+      </p:ext>
+    </p:extLst>
+  </p:cSld>
+  <p:clrMapOvr>
+    <a:masterClrMapping/>
+  </p:clrMapOvr>
+</p:sld>
+</file>
+
+<file path=ppt/slides/slide5.xml><?xml version="1.0" encoding="utf-8"?>
+<p:sld xmlns:a="http://schemas.openxmlformats.org/drawingml/2006/main" xmlns:r="http://schemas.openxmlformats.org/officeDocument/2006/relationships" xmlns:p="http://schemas.openxmlformats.org/presentationml/2006/main">
+  <p:cSld>
+    <p:spTree>
+      <p:nvGrpSpPr>
+        <p:cNvPr id="1" name=""/>
+        <p:cNvGrpSpPr/>
+        <p:nvPr/>
+      </p:nvGrpSpPr>
+      <p:grpSpPr>
+        <a:xfrm>
+          <a:off x="0" y="0"/>
+          <a:ext cx="0" cy="0"/>
+          <a:chOff x="0" y="0"/>
+          <a:chExt cx="0" cy="0"/>
+        </a:xfrm>
+      </p:grpSpPr>
+      <p:pic>
+        <p:nvPicPr>
+          <p:cNvPr id="5" name="Imagem 4">
+            <a:extLst>
+              <a:ext uri="{FF2B5EF4-FFF2-40B4-BE49-F238E27FC236}">
+                <a16:creationId xmlns:a16="http://schemas.microsoft.com/office/drawing/2014/main" id="{86488109-B435-4048-BF72-B1CC7564B6C2}"/>
+              </a:ext>
+            </a:extLst>
+          </p:cNvPr>
+          <p:cNvPicPr>
+            <a:picLocks noChangeAspect="1"/>
+          </p:cNvPicPr>
+          <p:nvPr/>
+        </p:nvPicPr>
+        <p:blipFill rotWithShape="1">
+          <a:blip r:embed="rId2"/>
+          <a:srcRect r="20547"/>
+          <a:stretch/>
+        </p:blipFill>
+        <p:spPr>
+          <a:xfrm>
+            <a:off x="228600" y="2970835"/>
+            <a:ext cx="7743825" cy="732523"/>
+          </a:xfrm>
+          <a:prstGeom prst="rect">
+            <a:avLst/>
+          </a:prstGeom>
+        </p:spPr>
+      </p:pic>
+      <p:pic>
+        <p:nvPicPr>
+          <p:cNvPr id="7" name="Imagem 6" descr="Uma imagem com eletrónica, teclado&#10;&#10;&#10;&#10;Descrição gerada automaticamente">
+            <a:extLst>
+              <a:ext uri="{FF2B5EF4-FFF2-40B4-BE49-F238E27FC236}">
+                <a16:creationId xmlns:a16="http://schemas.microsoft.com/office/drawing/2014/main" id="{21C299E5-B6CC-E249-96EC-902B084653C7}"/>
+              </a:ext>
+            </a:extLst>
+          </p:cNvPr>
+          <p:cNvPicPr>
+            <a:picLocks noChangeAspect="1"/>
+          </p:cNvPicPr>
+          <p:nvPr/>
+        </p:nvPicPr>
+        <p:blipFill rotWithShape="1">
+          <a:blip r:embed="rId3"/>
+          <a:srcRect l="63164"/>
+          <a:stretch/>
+        </p:blipFill>
+        <p:spPr>
+          <a:xfrm>
+            <a:off x="8111445" y="2970835"/>
+            <a:ext cx="3438920" cy="732523"/>
+          </a:xfrm>
+          <a:prstGeom prst="rect">
+            <a:avLst/>
+          </a:prstGeom>
+        </p:spPr>
+      </p:pic>
+      <p:sp>
+        <p:nvSpPr>
+          <p:cNvPr id="8" name="CaixaDeTexto 7">
+            <a:extLst>
+              <a:ext uri="{FF2B5EF4-FFF2-40B4-BE49-F238E27FC236}">
+                <a16:creationId xmlns:a16="http://schemas.microsoft.com/office/drawing/2014/main" id="{4024172E-97DF-9041-B275-499DD810E979}"/>
+              </a:ext>
+            </a:extLst>
+          </p:cNvPr>
+          <p:cNvSpPr txBox="1"/>
+          <p:nvPr/>
+        </p:nvSpPr>
+        <p:spPr>
+          <a:xfrm>
+            <a:off x="7925275" y="3229374"/>
+            <a:ext cx="300147" cy="215444"/>
+          </a:xfrm>
+          <a:prstGeom prst="rect">
+            <a:avLst/>
+          </a:prstGeom>
+          <a:noFill/>
+        </p:spPr>
+        <p:txBody>
+          <a:bodyPr wrap="square" rtlCol="0">
+            <a:spAutoFit/>
+          </a:bodyPr>
+          <a:lstStyle/>
+          <a:p>
+            <a:r>
+              <a:rPr lang="en-US" sz="800" dirty="0"/>
+              <a:t>…</a:t>
+            </a:r>
+          </a:p>
+        </p:txBody>
+      </p:sp>
+    </p:spTree>
+    <p:extLst>
+      <p:ext uri="{BB962C8B-B14F-4D97-AF65-F5344CB8AC3E}">
+        <p14:creationId xmlns:p14="http://schemas.microsoft.com/office/powerpoint/2010/main" val="2534193149"/>
+      </p:ext>
+    </p:extLst>
+  </p:cSld>
+  <p:clrMapOvr>
+    <a:masterClrMapping/>
+  </p:clrMapOvr>
+</p:sld>
+</file>
+
+<file path=ppt/slides/slide6.xml><?xml version="1.0" encoding="utf-8"?>
+<p:sld xmlns:a="http://schemas.openxmlformats.org/drawingml/2006/main" xmlns:r="http://schemas.openxmlformats.org/officeDocument/2006/relationships" xmlns:p="http://schemas.openxmlformats.org/presentationml/2006/main">
+  <p:cSld>
+    <p:spTree>
+      <p:nvGrpSpPr>
+        <p:cNvPr id="1" name=""/>
+        <p:cNvGrpSpPr/>
+        <p:nvPr/>
+      </p:nvGrpSpPr>
+      <p:grpSpPr>
+        <a:xfrm>
+          <a:off x="0" y="0"/>
+          <a:ext cx="0" cy="0"/>
+          <a:chOff x="0" y="0"/>
+          <a:chExt cx="0" cy="0"/>
+        </a:xfrm>
+      </p:grpSpPr>
+      <p:sp>
+        <p:nvSpPr>
+          <p:cNvPr id="2" name="Título 1">
+            <a:extLst>
+              <a:ext uri="{FF2B5EF4-FFF2-40B4-BE49-F238E27FC236}">
+                <a16:creationId xmlns:a16="http://schemas.microsoft.com/office/drawing/2014/main" id="{83960812-5C28-9241-93A3-05FC5A263458}"/>
+              </a:ext>
+            </a:extLst>
+          </p:cNvPr>
+          <p:cNvSpPr>
+            <a:spLocks noGrp="1"/>
+          </p:cNvSpPr>
+          <p:nvPr>
+            <p:ph type="title"/>
+          </p:nvPr>
+        </p:nvSpPr>
+        <p:spPr/>
+        <p:txBody>
+          <a:bodyPr/>
+          <a:lstStyle/>
+          <a:p>
+            <a:endParaRPr lang="en-US"/>
+          </a:p>
+        </p:txBody>
+      </p:sp>
+      <p:pic>
+        <p:nvPicPr>
+          <p:cNvPr id="5" name="Marcador de Posição de Conteúdo 4" descr="Uma imagem com palavras cruzadas, parede, shoji, janela&#10;&#10;&#10;&#10;Descrição gerada automaticamente">
+            <a:extLst>
+              <a:ext uri="{FF2B5EF4-FFF2-40B4-BE49-F238E27FC236}">
+                <a16:creationId xmlns:a16="http://schemas.microsoft.com/office/drawing/2014/main" id="{F4195908-33A1-E947-ADA7-F5B9DF2A51CC}"/>
+              </a:ext>
+            </a:extLst>
+          </p:cNvPr>
+          <p:cNvPicPr>
+            <a:picLocks noGrp="1" noChangeAspect="1"/>
+          </p:cNvPicPr>
+          <p:nvPr>
+            <p:ph idx="1"/>
+          </p:nvPr>
+        </p:nvPicPr>
+        <p:blipFill>
+          <a:blip r:embed="rId2"/>
+          <a:stretch>
+            <a:fillRect/>
+          </a:stretch>
+        </p:blipFill>
+        <p:spPr>
+          <a:xfrm>
+            <a:off x="5754224" y="2656526"/>
+            <a:ext cx="5346700" cy="1193800"/>
+          </a:xfrm>
+        </p:spPr>
+      </p:pic>
+      <p:pic>
+        <p:nvPicPr>
+          <p:cNvPr id="7" name="Imagem 6" descr="Uma imagem com shoji, palavras cruzadas, parede&#10;&#10;&#10;&#10;Descrição gerada automaticamente">
+            <a:extLst>
+              <a:ext uri="{FF2B5EF4-FFF2-40B4-BE49-F238E27FC236}">
+                <a16:creationId xmlns:a16="http://schemas.microsoft.com/office/drawing/2014/main" id="{5B153A26-19D4-7644-8955-D9AAD3B1063D}"/>
+              </a:ext>
+            </a:extLst>
+          </p:cNvPr>
+          <p:cNvPicPr>
+            <a:picLocks noChangeAspect="1"/>
+          </p:cNvPicPr>
+          <p:nvPr/>
+        </p:nvPicPr>
+        <p:blipFill>
+          <a:blip r:embed="rId3"/>
+          <a:stretch>
+            <a:fillRect/>
+          </a:stretch>
+        </p:blipFill>
+        <p:spPr>
+          <a:xfrm>
+            <a:off x="1709386" y="2659495"/>
+            <a:ext cx="3923475" cy="1190831"/>
+          </a:xfrm>
+          <a:prstGeom prst="rect">
+            <a:avLst/>
+          </a:prstGeom>
+        </p:spPr>
+      </p:pic>
+      <p:sp>
+        <p:nvSpPr>
+          <p:cNvPr id="8" name="CaixaDeTexto 7">
+            <a:extLst>
+              <a:ext uri="{FF2B5EF4-FFF2-40B4-BE49-F238E27FC236}">
+                <a16:creationId xmlns:a16="http://schemas.microsoft.com/office/drawing/2014/main" id="{19C62403-D1D2-3B4D-80F1-5B722855A2B2}"/>
+              </a:ext>
+            </a:extLst>
+          </p:cNvPr>
+          <p:cNvSpPr txBox="1"/>
+          <p:nvPr/>
+        </p:nvSpPr>
+        <p:spPr>
+          <a:xfrm>
+            <a:off x="5526614" y="3130315"/>
+            <a:ext cx="455219" cy="246221"/>
+          </a:xfrm>
+          <a:prstGeom prst="rect">
+            <a:avLst/>
+          </a:prstGeom>
+          <a:noFill/>
+        </p:spPr>
+        <p:txBody>
+          <a:bodyPr wrap="square" rtlCol="0">
+            <a:spAutoFit/>
+          </a:bodyPr>
+          <a:lstStyle/>
+          <a:p>
+            <a:r>
+              <a:rPr lang="en-US" sz="1000" dirty="0"/>
+              <a:t>…</a:t>
+            </a:r>
+          </a:p>
+        </p:txBody>
+      </p:sp>
+    </p:spTree>
+    <p:extLst>
+      <p:ext uri="{BB962C8B-B14F-4D97-AF65-F5344CB8AC3E}">
+        <p14:creationId xmlns:p14="http://schemas.microsoft.com/office/powerpoint/2010/main" val="1482717432"/>
+      </p:ext>
+    </p:extLst>
+  </p:cSld>
+  <p:clrMapOvr>
+    <a:masterClrMapping/>
+  </p:clrMapOvr>
+</p:sld>
+</file>
+
 <file path=ppt/theme/theme1.xml><?xml version="1.0" encoding="utf-8"?>
 <a:theme xmlns:a="http://schemas.openxmlformats.org/drawingml/2006/main" name="Tema do Office">
   <a:themeElements>
